--- a/12주차-Java 프로그래밍.pptx
+++ b/12주차-Java 프로그래밍.pptx
@@ -5,14 +5,17 @@
     <p:sldMasterId id="2147483648" r:id="rId1"/>
   </p:sldMasterIdLst>
   <p:notesMasterIdLst>
-    <p:notesMasterId r:id="rId7"/>
+    <p:notesMasterId r:id="rId10"/>
   </p:notesMasterIdLst>
   <p:sldIdLst>
     <p:sldId id="265" r:id="rId2"/>
     <p:sldId id="280" r:id="rId3"/>
     <p:sldId id="268" r:id="rId4"/>
-    <p:sldId id="467" r:id="rId5"/>
-    <p:sldId id="281" r:id="rId6"/>
+    <p:sldId id="436" r:id="rId5"/>
+    <p:sldId id="437" r:id="rId6"/>
+    <p:sldId id="464" r:id="rId7"/>
+    <p:sldId id="467" r:id="rId8"/>
+    <p:sldId id="281" r:id="rId9"/>
   </p:sldIdLst>
   <p:sldSz cx="12192000" cy="6858000"/>
   <p:notesSz cx="6858000" cy="9144000"/>
@@ -201,7 +204,7 @@
           <a:p>
             <a:fld id="{00AD11E0-BB4F-48A5-9912-1AD78A72FCEE}" type="datetimeFigureOut">
               <a:rPr lang="ko-KR" altLang="en-US" smtClean="0"/>
-              <a:t>2020-05-31</a:t>
+              <a:t>2020-06-01</a:t>
             </a:fld>
             <a:endParaRPr lang="ko-KR" altLang="en-US"/>
           </a:p>
@@ -877,7 +880,7 @@
           <a:p>
             <a:fld id="{0E08BC50-77FF-48F1-8760-AC5CC7E72801}" type="datetimeFigureOut">
               <a:rPr lang="ko-KR" altLang="en-US" smtClean="0"/>
-              <a:t>2020-05-31</a:t>
+              <a:t>2020-06-01</a:t>
             </a:fld>
             <a:endParaRPr lang="ko-KR" altLang="en-US"/>
           </a:p>
@@ -1045,7 +1048,7 @@
           <a:p>
             <a:fld id="{0E08BC50-77FF-48F1-8760-AC5CC7E72801}" type="datetimeFigureOut">
               <a:rPr lang="ko-KR" altLang="en-US" smtClean="0"/>
-              <a:t>2020-05-31</a:t>
+              <a:t>2020-06-01</a:t>
             </a:fld>
             <a:endParaRPr lang="ko-KR" altLang="en-US"/>
           </a:p>
@@ -1223,7 +1226,7 @@
           <a:p>
             <a:fld id="{0E08BC50-77FF-48F1-8760-AC5CC7E72801}" type="datetimeFigureOut">
               <a:rPr lang="ko-KR" altLang="en-US" smtClean="0"/>
-              <a:t>2020-05-31</a:t>
+              <a:t>2020-06-01</a:t>
             </a:fld>
             <a:endParaRPr lang="ko-KR" altLang="en-US"/>
           </a:p>
@@ -1908,7 +1911,7 @@
           <a:p>
             <a:fld id="{0E08BC50-77FF-48F1-8760-AC5CC7E72801}" type="datetimeFigureOut">
               <a:rPr lang="ko-KR" altLang="en-US" smtClean="0"/>
-              <a:t>2020-05-31</a:t>
+              <a:t>2020-06-01</a:t>
             </a:fld>
             <a:endParaRPr lang="ko-KR" altLang="en-US"/>
           </a:p>
@@ -2153,7 +2156,7 @@
           <a:p>
             <a:fld id="{0E08BC50-77FF-48F1-8760-AC5CC7E72801}" type="datetimeFigureOut">
               <a:rPr lang="ko-KR" altLang="en-US" smtClean="0"/>
-              <a:t>2020-05-31</a:t>
+              <a:t>2020-06-01</a:t>
             </a:fld>
             <a:endParaRPr lang="ko-KR" altLang="en-US"/>
           </a:p>
@@ -2382,7 +2385,7 @@
           <a:p>
             <a:fld id="{0E08BC50-77FF-48F1-8760-AC5CC7E72801}" type="datetimeFigureOut">
               <a:rPr lang="ko-KR" altLang="en-US" smtClean="0"/>
-              <a:t>2020-05-31</a:t>
+              <a:t>2020-06-01</a:t>
             </a:fld>
             <a:endParaRPr lang="ko-KR" altLang="en-US"/>
           </a:p>
@@ -2746,7 +2749,7 @@
           <a:p>
             <a:fld id="{0E08BC50-77FF-48F1-8760-AC5CC7E72801}" type="datetimeFigureOut">
               <a:rPr lang="ko-KR" altLang="en-US" smtClean="0"/>
-              <a:t>2020-05-31</a:t>
+              <a:t>2020-06-01</a:t>
             </a:fld>
             <a:endParaRPr lang="ko-KR" altLang="en-US"/>
           </a:p>
@@ -2863,7 +2866,7 @@
           <a:p>
             <a:fld id="{0E08BC50-77FF-48F1-8760-AC5CC7E72801}" type="datetimeFigureOut">
               <a:rPr lang="ko-KR" altLang="en-US" smtClean="0"/>
-              <a:t>2020-05-31</a:t>
+              <a:t>2020-06-01</a:t>
             </a:fld>
             <a:endParaRPr lang="ko-KR" altLang="en-US"/>
           </a:p>
@@ -2958,7 +2961,7 @@
           <a:p>
             <a:fld id="{0E08BC50-77FF-48F1-8760-AC5CC7E72801}" type="datetimeFigureOut">
               <a:rPr lang="ko-KR" altLang="en-US" smtClean="0"/>
-              <a:t>2020-05-31</a:t>
+              <a:t>2020-06-01</a:t>
             </a:fld>
             <a:endParaRPr lang="ko-KR" altLang="en-US"/>
           </a:p>
@@ -3233,7 +3236,7 @@
           <a:p>
             <a:fld id="{0E08BC50-77FF-48F1-8760-AC5CC7E72801}" type="datetimeFigureOut">
               <a:rPr lang="ko-KR" altLang="en-US" smtClean="0"/>
-              <a:t>2020-05-31</a:t>
+              <a:t>2020-06-01</a:t>
             </a:fld>
             <a:endParaRPr lang="ko-KR" altLang="en-US"/>
           </a:p>
@@ -3485,7 +3488,7 @@
           <a:p>
             <a:fld id="{0E08BC50-77FF-48F1-8760-AC5CC7E72801}" type="datetimeFigureOut">
               <a:rPr lang="ko-KR" altLang="en-US" smtClean="0"/>
-              <a:t>2020-05-31</a:t>
+              <a:t>2020-06-01</a:t>
             </a:fld>
             <a:endParaRPr lang="ko-KR" altLang="en-US"/>
           </a:p>
@@ -3696,7 +3699,7 @@
           <a:p>
             <a:fld id="{0E08BC50-77FF-48F1-8760-AC5CC7E72801}" type="datetimeFigureOut">
               <a:rPr lang="ko-KR" altLang="en-US" smtClean="0"/>
-              <a:t>2020-05-31</a:t>
+              <a:t>2020-06-01</a:t>
             </a:fld>
             <a:endParaRPr lang="ko-KR" altLang="en-US"/>
           </a:p>
@@ -4119,7 +4122,7 @@
           <a:p>
             <a:r>
               <a:rPr lang="en-US" altLang="ko-KR" dirty="0"/>
-              <a:t>11</a:t>
+              <a:t>12</a:t>
             </a:r>
             <a:r>
               <a:rPr lang="ko-KR" altLang="en-US" dirty="0"/>
@@ -4251,7 +4254,7 @@
         </p:blipFill>
         <p:spPr>
           <a:xfrm>
-            <a:off x="1250295" y="1825625"/>
+            <a:off x="1498870" y="1825625"/>
             <a:ext cx="3465140" cy="4608140"/>
           </a:xfrm>
           <a:prstGeom prst="rect">
@@ -4454,6 +4457,561 @@
 </file>
 
 <file path=ppt/slides/slide4.xml><?xml version="1.0" encoding="utf-8"?>
+<p:sld xmlns:a="http://schemas.openxmlformats.org/drawingml/2006/main" xmlns:r="http://schemas.openxmlformats.org/officeDocument/2006/relationships" xmlns:p="http://schemas.openxmlformats.org/presentationml/2006/main">
+  <p:cSld>
+    <p:spTree>
+      <p:nvGrpSpPr>
+        <p:cNvPr id="1" name=""/>
+        <p:cNvGrpSpPr/>
+        <p:nvPr/>
+      </p:nvGrpSpPr>
+      <p:grpSpPr>
+        <a:xfrm>
+          <a:off x="0" y="0"/>
+          <a:ext cx="0" cy="0"/>
+          <a:chOff x="0" y="0"/>
+          <a:chExt cx="0" cy="0"/>
+        </a:xfrm>
+      </p:grpSpPr>
+      <p:sp>
+        <p:nvSpPr>
+          <p:cNvPr id="2" name="제목 1"/>
+          <p:cNvSpPr>
+            <a:spLocks noGrp="1"/>
+          </p:cNvSpPr>
+          <p:nvPr>
+            <p:ph type="title"/>
+          </p:nvPr>
+        </p:nvSpPr>
+        <p:spPr/>
+        <p:txBody>
+          <a:bodyPr/>
+          <a:lstStyle/>
+          <a:p>
+            <a:r>
+              <a:rPr lang="en-US" altLang="ko-KR" dirty="0" err="1"/>
+              <a:t>java.lang</a:t>
+            </a:r>
+            <a:r>
+              <a:rPr lang="en-US" altLang="ko-KR" dirty="0"/>
+              <a:t> </a:t>
+            </a:r>
+            <a:r>
+              <a:rPr lang="ko-KR" altLang="en-US" dirty="0"/>
+              <a:t>패키지</a:t>
+            </a:r>
+          </a:p>
+        </p:txBody>
+      </p:sp>
+      <p:sp>
+        <p:nvSpPr>
+          <p:cNvPr id="3" name="내용 개체 틀 2"/>
+          <p:cNvSpPr>
+            <a:spLocks noGrp="1"/>
+          </p:cNvSpPr>
+          <p:nvPr>
+            <p:ph idx="10"/>
+          </p:nvPr>
+        </p:nvSpPr>
+        <p:spPr/>
+        <p:txBody>
+          <a:bodyPr/>
+          <a:lstStyle/>
+          <a:p>
+            <a:r>
+              <a:rPr lang="en-US" altLang="ko-KR" dirty="0"/>
+              <a:t>Object </a:t>
+            </a:r>
+            <a:r>
+              <a:rPr lang="ko-KR" altLang="en-US" dirty="0"/>
+              <a:t>클래스</a:t>
+            </a:r>
+            <a:endParaRPr lang="en-US" altLang="ko-KR" dirty="0"/>
+          </a:p>
+        </p:txBody>
+      </p:sp>
+      <p:pic>
+        <p:nvPicPr>
+          <p:cNvPr id="5" name="그림 4"/>
+          <p:cNvPicPr>
+            <a:picLocks noChangeAspect="1"/>
+          </p:cNvPicPr>
+          <p:nvPr/>
+        </p:nvPicPr>
+        <p:blipFill>
+          <a:blip r:embed="rId2"/>
+          <a:stretch>
+            <a:fillRect/>
+          </a:stretch>
+        </p:blipFill>
+        <p:spPr>
+          <a:xfrm>
+            <a:off x="1683475" y="1499676"/>
+            <a:ext cx="4016873" cy="3986602"/>
+          </a:xfrm>
+          <a:prstGeom prst="rect">
+            <a:avLst/>
+          </a:prstGeom>
+        </p:spPr>
+      </p:pic>
+      <p:pic>
+        <p:nvPicPr>
+          <p:cNvPr id="7" name="그림 6"/>
+          <p:cNvPicPr>
+            <a:picLocks noChangeAspect="1"/>
+          </p:cNvPicPr>
+          <p:nvPr/>
+        </p:nvPicPr>
+        <p:blipFill>
+          <a:blip r:embed="rId3"/>
+          <a:stretch>
+            <a:fillRect/>
+          </a:stretch>
+        </p:blipFill>
+        <p:spPr>
+          <a:xfrm>
+            <a:off x="5930956" y="968378"/>
+            <a:ext cx="4587575" cy="3207968"/>
+          </a:xfrm>
+          <a:prstGeom prst="rect">
+            <a:avLst/>
+          </a:prstGeom>
+        </p:spPr>
+      </p:pic>
+      <p:pic>
+        <p:nvPicPr>
+          <p:cNvPr id="8" name="그림 7"/>
+          <p:cNvPicPr>
+            <a:picLocks noChangeAspect="1"/>
+          </p:cNvPicPr>
+          <p:nvPr/>
+        </p:nvPicPr>
+        <p:blipFill>
+          <a:blip r:embed="rId4"/>
+          <a:stretch>
+            <a:fillRect/>
+          </a:stretch>
+        </p:blipFill>
+        <p:spPr>
+          <a:xfrm>
+            <a:off x="5930956" y="4390903"/>
+            <a:ext cx="3381375" cy="2190750"/>
+          </a:xfrm>
+          <a:prstGeom prst="rect">
+            <a:avLst/>
+          </a:prstGeom>
+        </p:spPr>
+      </p:pic>
+    </p:spTree>
+    <p:extLst>
+      <p:ext uri="{BB962C8B-B14F-4D97-AF65-F5344CB8AC3E}">
+        <p14:creationId xmlns:p14="http://schemas.microsoft.com/office/powerpoint/2010/main" val="2488865290"/>
+      </p:ext>
+    </p:extLst>
+  </p:cSld>
+  <p:clrMapOvr>
+    <a:masterClrMapping/>
+  </p:clrMapOvr>
+</p:sld>
+</file>
+
+<file path=ppt/slides/slide5.xml><?xml version="1.0" encoding="utf-8"?>
+<p:sld xmlns:a="http://schemas.openxmlformats.org/drawingml/2006/main" xmlns:r="http://schemas.openxmlformats.org/officeDocument/2006/relationships" xmlns:p="http://schemas.openxmlformats.org/presentationml/2006/main">
+  <p:cSld>
+    <p:spTree>
+      <p:nvGrpSpPr>
+        <p:cNvPr id="1" name=""/>
+        <p:cNvGrpSpPr/>
+        <p:nvPr/>
+      </p:nvGrpSpPr>
+      <p:grpSpPr>
+        <a:xfrm>
+          <a:off x="0" y="0"/>
+          <a:ext cx="0" cy="0"/>
+          <a:chOff x="0" y="0"/>
+          <a:chExt cx="0" cy="0"/>
+        </a:xfrm>
+      </p:grpSpPr>
+      <p:sp>
+        <p:nvSpPr>
+          <p:cNvPr id="2" name="제목 1"/>
+          <p:cNvSpPr>
+            <a:spLocks noGrp="1"/>
+          </p:cNvSpPr>
+          <p:nvPr>
+            <p:ph type="title"/>
+          </p:nvPr>
+        </p:nvSpPr>
+        <p:spPr/>
+        <p:txBody>
+          <a:bodyPr/>
+          <a:lstStyle/>
+          <a:p>
+            <a:r>
+              <a:rPr lang="en-US" altLang="ko-KR" dirty="0" err="1"/>
+              <a:t>java.lang</a:t>
+            </a:r>
+            <a:r>
+              <a:rPr lang="en-US" altLang="ko-KR" dirty="0"/>
+              <a:t> </a:t>
+            </a:r>
+            <a:r>
+              <a:rPr lang="ko-KR" altLang="en-US" dirty="0"/>
+              <a:t>패키지</a:t>
+            </a:r>
+          </a:p>
+        </p:txBody>
+      </p:sp>
+      <p:sp>
+        <p:nvSpPr>
+          <p:cNvPr id="3" name="내용 개체 틀 2"/>
+          <p:cNvSpPr>
+            <a:spLocks noGrp="1"/>
+          </p:cNvSpPr>
+          <p:nvPr>
+            <p:ph idx="10"/>
+          </p:nvPr>
+        </p:nvSpPr>
+        <p:spPr/>
+        <p:txBody>
+          <a:bodyPr/>
+          <a:lstStyle/>
+          <a:p>
+            <a:r>
+              <a:rPr lang="en-US" altLang="ko-KR" dirty="0"/>
+              <a:t>Class </a:t>
+            </a:r>
+            <a:r>
+              <a:rPr lang="ko-KR" altLang="en-US" dirty="0"/>
+              <a:t>클래스</a:t>
+            </a:r>
+            <a:endParaRPr lang="en-US" altLang="ko-KR" dirty="0"/>
+          </a:p>
+          <a:p>
+            <a:pPr lvl="1"/>
+            <a:r>
+              <a:rPr lang="ko-KR" altLang="en-US" dirty="0"/>
+              <a:t>실행 중인 자바 프로그램 내부에 포함된 클래스와 인터페이스 정보를 제공하기위해 </a:t>
+            </a:r>
+            <a:br>
+              <a:rPr lang="en-US" altLang="ko-KR" dirty="0"/>
+            </a:br>
+            <a:r>
+              <a:rPr lang="ko-KR" altLang="en-US" dirty="0"/>
+              <a:t> </a:t>
+            </a:r>
+            <a:r>
+              <a:rPr lang="en-US" altLang="ko-KR" dirty="0" err="1"/>
+              <a:t>getName</a:t>
+            </a:r>
+            <a:r>
+              <a:rPr lang="en-US" altLang="ko-KR" dirty="0"/>
+              <a:t>( ), </a:t>
+            </a:r>
+            <a:r>
+              <a:rPr lang="en-US" altLang="ko-KR" dirty="0" err="1"/>
+              <a:t>getSimpleName</a:t>
+            </a:r>
+            <a:r>
+              <a:rPr lang="en-US" altLang="ko-KR" dirty="0"/>
+              <a:t>( ) </a:t>
+            </a:r>
+            <a:r>
+              <a:rPr lang="ko-KR" altLang="en-US" dirty="0"/>
+              <a:t>등 다양한 메서드를 제공</a:t>
+            </a:r>
+            <a:endParaRPr lang="en-US" altLang="ko-KR" dirty="0"/>
+          </a:p>
+          <a:p>
+            <a:pPr lvl="1"/>
+            <a:r>
+              <a:rPr lang="en-US" altLang="ko-KR" dirty="0"/>
+              <a:t>Class</a:t>
+            </a:r>
+            <a:r>
+              <a:rPr lang="ko-KR" altLang="en-US" dirty="0"/>
+              <a:t>클래스는 생성자가 없고 </a:t>
+            </a:r>
+            <a:r>
+              <a:rPr lang="en-US" altLang="ko-KR" dirty="0"/>
+              <a:t>JVM</a:t>
+            </a:r>
+            <a:r>
+              <a:rPr lang="ko-KR" altLang="en-US" dirty="0"/>
+              <a:t>이 대응하는 </a:t>
+            </a:r>
+            <a:r>
+              <a:rPr lang="en-US" altLang="ko-KR" dirty="0"/>
+              <a:t>Class</a:t>
+            </a:r>
+            <a:r>
+              <a:rPr lang="ko-KR" altLang="en-US" dirty="0"/>
+              <a:t>객체를 자동으로 생성</a:t>
+            </a:r>
+            <a:endParaRPr lang="en-US" altLang="ko-KR" dirty="0"/>
+          </a:p>
+          <a:p>
+            <a:pPr lvl="1"/>
+            <a:r>
+              <a:rPr lang="ko-KR" altLang="en-US" dirty="0"/>
+              <a:t>실행 도중 객체 정보를 얻으려면 </a:t>
+            </a:r>
+            <a:r>
+              <a:rPr lang="en-US" altLang="ko-KR" dirty="0" err="1"/>
+              <a:t>getClass</a:t>
+            </a:r>
+            <a:r>
+              <a:rPr lang="en-US" altLang="ko-KR" dirty="0"/>
+              <a:t>( )</a:t>
+            </a:r>
+            <a:r>
+              <a:rPr lang="ko-KR" altLang="en-US" dirty="0"/>
+              <a:t>의 결과인 </a:t>
+            </a:r>
+            <a:r>
+              <a:rPr lang="en-US" altLang="ko-KR" dirty="0"/>
+              <a:t>Class</a:t>
+            </a:r>
+            <a:r>
+              <a:rPr lang="ko-KR" altLang="en-US" dirty="0"/>
+              <a:t>객체를 사용</a:t>
+            </a:r>
+            <a:endParaRPr lang="en-US" altLang="ko-KR" dirty="0"/>
+          </a:p>
+          <a:p>
+            <a:pPr lvl="1"/>
+            <a:endParaRPr lang="en-US" altLang="ko-KR" dirty="0"/>
+          </a:p>
+          <a:p>
+            <a:pPr lvl="1"/>
+            <a:endParaRPr lang="en-US" altLang="ko-KR" dirty="0"/>
+          </a:p>
+          <a:p>
+            <a:pPr lvl="1"/>
+            <a:endParaRPr lang="en-US" altLang="ko-KR" dirty="0"/>
+          </a:p>
+        </p:txBody>
+      </p:sp>
+      <p:grpSp>
+        <p:nvGrpSpPr>
+          <p:cNvPr id="5" name="그룹 4"/>
+          <p:cNvGrpSpPr/>
+          <p:nvPr/>
+        </p:nvGrpSpPr>
+        <p:grpSpPr>
+          <a:xfrm>
+            <a:off x="2402515" y="2778095"/>
+            <a:ext cx="7067550" cy="847725"/>
+            <a:chOff x="868104" y="3494235"/>
+            <a:chExt cx="7067550" cy="847725"/>
+          </a:xfrm>
+        </p:grpSpPr>
+        <p:pic>
+          <p:nvPicPr>
+            <p:cNvPr id="6" name="그림 5"/>
+            <p:cNvPicPr>
+              <a:picLocks noChangeAspect="1"/>
+            </p:cNvPicPr>
+            <p:nvPr/>
+          </p:nvPicPr>
+          <p:blipFill>
+            <a:blip r:embed="rId2">
+              <a:extLst>
+                <a:ext uri="{28A0092B-C50C-407E-A947-70E740481C1C}">
+                  <a14:useLocalDpi xmlns:a14="http://schemas.microsoft.com/office/drawing/2010/main" val="0"/>
+                </a:ext>
+              </a:extLst>
+            </a:blip>
+            <a:stretch>
+              <a:fillRect/>
+            </a:stretch>
+          </p:blipFill>
+          <p:spPr>
+            <a:xfrm>
+              <a:off x="868104" y="3494235"/>
+              <a:ext cx="7067550" cy="847725"/>
+            </a:xfrm>
+            <a:prstGeom prst="rect">
+              <a:avLst/>
+            </a:prstGeom>
+          </p:spPr>
+        </p:pic>
+        <p:sp>
+          <p:nvSpPr>
+            <p:cNvPr id="7" name="TextBox 6"/>
+            <p:cNvSpPr txBox="1"/>
+            <p:nvPr/>
+          </p:nvSpPr>
+          <p:spPr>
+            <a:xfrm>
+              <a:off x="3562525" y="4003406"/>
+              <a:ext cx="797013" cy="338554"/>
+            </a:xfrm>
+            <a:prstGeom prst="rect">
+              <a:avLst/>
+            </a:prstGeom>
+            <a:solidFill>
+              <a:schemeClr val="bg1">
+                <a:lumMod val="95000"/>
+              </a:schemeClr>
+            </a:solidFill>
+          </p:spPr>
+          <p:txBody>
+            <a:bodyPr wrap="none" rtlCol="0">
+              <a:spAutoFit/>
+            </a:bodyPr>
+            <a:lstStyle/>
+            <a:p>
+              <a:r>
+                <a:rPr lang="en-US" altLang="ko-KR" sz="1600" dirty="0"/>
+                <a:t>Object</a:t>
+              </a:r>
+              <a:endParaRPr lang="ko-KR" altLang="en-US" sz="1600" dirty="0"/>
+            </a:p>
+          </p:txBody>
+        </p:sp>
+      </p:grpSp>
+      <p:pic>
+        <p:nvPicPr>
+          <p:cNvPr id="8" name="그림 7"/>
+          <p:cNvPicPr>
+            <a:picLocks noChangeAspect="1"/>
+          </p:cNvPicPr>
+          <p:nvPr/>
+        </p:nvPicPr>
+        <p:blipFill>
+          <a:blip r:embed="rId3"/>
+          <a:stretch>
+            <a:fillRect/>
+          </a:stretch>
+        </p:blipFill>
+        <p:spPr>
+          <a:xfrm>
+            <a:off x="2161096" y="3816185"/>
+            <a:ext cx="7743825" cy="2590800"/>
+          </a:xfrm>
+          <a:prstGeom prst="rect">
+            <a:avLst/>
+          </a:prstGeom>
+        </p:spPr>
+      </p:pic>
+    </p:spTree>
+    <p:extLst>
+      <p:ext uri="{BB962C8B-B14F-4D97-AF65-F5344CB8AC3E}">
+        <p14:creationId xmlns:p14="http://schemas.microsoft.com/office/powerpoint/2010/main" val="3586281462"/>
+      </p:ext>
+    </p:extLst>
+  </p:cSld>
+  <p:clrMapOvr>
+    <a:masterClrMapping/>
+  </p:clrMapOvr>
+</p:sld>
+</file>
+
+<file path=ppt/slides/slide6.xml><?xml version="1.0" encoding="utf-8"?>
+<p:sld xmlns:a="http://schemas.openxmlformats.org/drawingml/2006/main" xmlns:r="http://schemas.openxmlformats.org/officeDocument/2006/relationships" xmlns:p="http://schemas.openxmlformats.org/presentationml/2006/main">
+  <p:cSld>
+    <p:spTree>
+      <p:nvGrpSpPr>
+        <p:cNvPr id="1" name=""/>
+        <p:cNvGrpSpPr/>
+        <p:nvPr/>
+      </p:nvGrpSpPr>
+      <p:grpSpPr>
+        <a:xfrm>
+          <a:off x="0" y="0"/>
+          <a:ext cx="0" cy="0"/>
+          <a:chOff x="0" y="0"/>
+          <a:chExt cx="0" cy="0"/>
+        </a:xfrm>
+      </p:grpSpPr>
+      <p:sp>
+        <p:nvSpPr>
+          <p:cNvPr id="2" name="제목 1"/>
+          <p:cNvSpPr>
+            <a:spLocks noGrp="1"/>
+          </p:cNvSpPr>
+          <p:nvPr>
+            <p:ph type="title"/>
+          </p:nvPr>
+        </p:nvSpPr>
+        <p:spPr/>
+        <p:txBody>
+          <a:bodyPr/>
+          <a:lstStyle/>
+          <a:p>
+            <a:r>
+              <a:rPr lang="en-US" altLang="ko-KR" dirty="0" err="1"/>
+              <a:t>java.lang</a:t>
+            </a:r>
+            <a:r>
+              <a:rPr lang="en-US" altLang="ko-KR" dirty="0"/>
+              <a:t> </a:t>
+            </a:r>
+            <a:r>
+              <a:rPr lang="ko-KR" altLang="en-US" dirty="0"/>
+              <a:t>패키지</a:t>
+            </a:r>
+          </a:p>
+        </p:txBody>
+      </p:sp>
+      <p:sp>
+        <p:nvSpPr>
+          <p:cNvPr id="3" name="내용 개체 틀 2"/>
+          <p:cNvSpPr>
+            <a:spLocks noGrp="1"/>
+          </p:cNvSpPr>
+          <p:nvPr>
+            <p:ph idx="10"/>
+          </p:nvPr>
+        </p:nvSpPr>
+        <p:spPr/>
+        <p:txBody>
+          <a:bodyPr/>
+          <a:lstStyle/>
+          <a:p>
+            <a:endParaRPr lang="ko-KR" altLang="en-US"/>
+          </a:p>
+        </p:txBody>
+      </p:sp>
+      <p:pic>
+        <p:nvPicPr>
+          <p:cNvPr id="4" name="그림 3"/>
+          <p:cNvPicPr>
+            <a:picLocks noChangeAspect="1"/>
+          </p:cNvPicPr>
+          <p:nvPr/>
+        </p:nvPicPr>
+        <p:blipFill>
+          <a:blip r:embed="rId2"/>
+          <a:stretch>
+            <a:fillRect/>
+          </a:stretch>
+        </p:blipFill>
+        <p:spPr>
+          <a:xfrm>
+            <a:off x="1838162" y="1781175"/>
+            <a:ext cx="8829838" cy="3295650"/>
+          </a:xfrm>
+          <a:prstGeom prst="rect">
+            <a:avLst/>
+          </a:prstGeom>
+        </p:spPr>
+      </p:pic>
+    </p:spTree>
+    <p:extLst>
+      <p:ext uri="{BB962C8B-B14F-4D97-AF65-F5344CB8AC3E}">
+        <p14:creationId xmlns:p14="http://schemas.microsoft.com/office/powerpoint/2010/main" val="2202765112"/>
+      </p:ext>
+    </p:extLst>
+  </p:cSld>
+  <p:clrMapOvr>
+    <a:masterClrMapping/>
+  </p:clrMapOvr>
+</p:sld>
+</file>
+
+<file path=ppt/slides/slide7.xml><?xml version="1.0" encoding="utf-8"?>
 <p:sld xmlns:a="http://schemas.openxmlformats.org/drawingml/2006/main" xmlns:r="http://schemas.openxmlformats.org/officeDocument/2006/relationships" xmlns:p="http://schemas.openxmlformats.org/presentationml/2006/main">
   <p:cSld>
     <p:spTree>
@@ -4621,7 +5179,7 @@
 </p:sld>
 </file>
 
-<file path=ppt/slides/slide5.xml><?xml version="1.0" encoding="utf-8"?>
+<file path=ppt/slides/slide8.xml><?xml version="1.0" encoding="utf-8"?>
 <p:sld xmlns:a="http://schemas.openxmlformats.org/drawingml/2006/main" xmlns:r="http://schemas.openxmlformats.org/officeDocument/2006/relationships" xmlns:p="http://schemas.openxmlformats.org/presentationml/2006/main">
   <p:cSld>
     <p:spTree>
